--- a/ppt 16-9/0952.不能隔绝的爱.pptx
+++ b/ppt 16-9/0952.不能隔绝的爱.pptx
@@ -129,7 +129,7 @@
           <p:cNvPr id="2" name="标题 1">
             <a:extLst>
               <a:ext uri="{FF2B5EF4-FFF2-40B4-BE49-F238E27FC236}">
-                <a16:creationId xmlns:a16="http://schemas.microsoft.com/office/drawing/2014/main" id="{7C32AA3A-97EF-D9CD-78D7-875223308C16}"/>
+                <a16:creationId xmlns:a16="http://schemas.microsoft.com/office/drawing/2014/main" id="{71030945-442F-75E8-F147-E86EE4100B61}"/>
               </a:ext>
             </a:extLst>
           </p:cNvPr>
@@ -166,7 +166,7 @@
           <p:cNvPr id="3" name="副标题 2">
             <a:extLst>
               <a:ext uri="{FF2B5EF4-FFF2-40B4-BE49-F238E27FC236}">
-                <a16:creationId xmlns:a16="http://schemas.microsoft.com/office/drawing/2014/main" id="{E5A62C30-0CEE-4FB2-3F8D-C875698AF5FB}"/>
+                <a16:creationId xmlns:a16="http://schemas.microsoft.com/office/drawing/2014/main" id="{92534583-9572-3850-8B72-C51E66BC4E93}"/>
               </a:ext>
             </a:extLst>
           </p:cNvPr>
@@ -236,7 +236,7 @@
           <p:cNvPr id="4" name="日期占位符 3">
             <a:extLst>
               <a:ext uri="{FF2B5EF4-FFF2-40B4-BE49-F238E27FC236}">
-                <a16:creationId xmlns:a16="http://schemas.microsoft.com/office/drawing/2014/main" id="{CBD74175-E65E-AB6C-51FC-2D90EF132193}"/>
+                <a16:creationId xmlns:a16="http://schemas.microsoft.com/office/drawing/2014/main" id="{B987A127-D907-FDC7-0FC3-9FB580ABF878}"/>
               </a:ext>
             </a:extLst>
           </p:cNvPr>
@@ -252,7 +252,7 @@
           <a:bodyPr/>
           <a:lstStyle/>
           <a:p>
-            <a:fld id="{83858C2A-2375-4552-9220-B9A720C085A8}" type="datetimeFigureOut">
+            <a:fld id="{0DAC5E0F-12EE-446B-A0C3-4505A06920C0}" type="datetimeFigureOut">
               <a:rPr lang="zh-CN" altLang="en-US" smtClean="0"/>
               <a:t>2024/3/10</a:t>
             </a:fld>
@@ -265,7 +265,7 @@
           <p:cNvPr id="5" name="页脚占位符 4">
             <a:extLst>
               <a:ext uri="{FF2B5EF4-FFF2-40B4-BE49-F238E27FC236}">
-                <a16:creationId xmlns:a16="http://schemas.microsoft.com/office/drawing/2014/main" id="{07340306-B6D4-058D-E97C-E8FAA30FE9FF}"/>
+                <a16:creationId xmlns:a16="http://schemas.microsoft.com/office/drawing/2014/main" id="{F14614C5-B867-33B9-2BDE-C0EFE16A4BFE}"/>
               </a:ext>
             </a:extLst>
           </p:cNvPr>
@@ -290,7 +290,7 @@
           <p:cNvPr id="6" name="灯片编号占位符 5">
             <a:extLst>
               <a:ext uri="{FF2B5EF4-FFF2-40B4-BE49-F238E27FC236}">
-                <a16:creationId xmlns:a16="http://schemas.microsoft.com/office/drawing/2014/main" id="{D81B3470-ED55-DC87-DD21-BCDF8137C6EF}"/>
+                <a16:creationId xmlns:a16="http://schemas.microsoft.com/office/drawing/2014/main" id="{CF45F87E-C53B-3081-4A29-82134DB1A1C9}"/>
               </a:ext>
             </a:extLst>
           </p:cNvPr>
@@ -306,7 +306,7 @@
           <a:bodyPr/>
           <a:lstStyle/>
           <a:p>
-            <a:fld id="{872BF664-5CA2-44B9-A082-9917F68F0029}" type="slidenum">
+            <a:fld id="{561C2799-9A38-47BA-B221-F90C0E5BEF6B}" type="slidenum">
               <a:rPr lang="zh-CN" altLang="en-US" smtClean="0"/>
               <a:t>‹#›</a:t>
             </a:fld>
@@ -317,7 +317,7 @@
     </p:spTree>
     <p:extLst>
       <p:ext uri="{BB962C8B-B14F-4D97-AF65-F5344CB8AC3E}">
-        <p14:creationId xmlns:p14="http://schemas.microsoft.com/office/powerpoint/2010/main" val="2296098527"/>
+        <p14:creationId xmlns:p14="http://schemas.microsoft.com/office/powerpoint/2010/main" val="1587909698"/>
       </p:ext>
     </p:extLst>
   </p:cSld>
@@ -349,7 +349,7 @@
           <p:cNvPr id="2" name="标题 1">
             <a:extLst>
               <a:ext uri="{FF2B5EF4-FFF2-40B4-BE49-F238E27FC236}">
-                <a16:creationId xmlns:a16="http://schemas.microsoft.com/office/drawing/2014/main" id="{4C2A42FB-4087-1A13-CA9C-7C41CC4AAA7A}"/>
+                <a16:creationId xmlns:a16="http://schemas.microsoft.com/office/drawing/2014/main" id="{2C7D0272-30E6-AC3F-E4A0-5FDC8A9964E3}"/>
               </a:ext>
             </a:extLst>
           </p:cNvPr>
@@ -377,7 +377,7 @@
           <p:cNvPr id="3" name="竖排文字占位符 2">
             <a:extLst>
               <a:ext uri="{FF2B5EF4-FFF2-40B4-BE49-F238E27FC236}">
-                <a16:creationId xmlns:a16="http://schemas.microsoft.com/office/drawing/2014/main" id="{7EFB3150-7657-F830-5055-301FEFB6376D}"/>
+                <a16:creationId xmlns:a16="http://schemas.microsoft.com/office/drawing/2014/main" id="{21B6B76B-8AE1-0C3C-B353-2E3E7FCB08DF}"/>
               </a:ext>
             </a:extLst>
           </p:cNvPr>
@@ -434,7 +434,7 @@
           <p:cNvPr id="4" name="日期占位符 3">
             <a:extLst>
               <a:ext uri="{FF2B5EF4-FFF2-40B4-BE49-F238E27FC236}">
-                <a16:creationId xmlns:a16="http://schemas.microsoft.com/office/drawing/2014/main" id="{18F12F46-5796-58CE-E4A0-97AE36D44008}"/>
+                <a16:creationId xmlns:a16="http://schemas.microsoft.com/office/drawing/2014/main" id="{68F5F413-5B2A-82EC-E3AE-7B3A54DD54A3}"/>
               </a:ext>
             </a:extLst>
           </p:cNvPr>
@@ -450,7 +450,7 @@
           <a:bodyPr/>
           <a:lstStyle/>
           <a:p>
-            <a:fld id="{83858C2A-2375-4552-9220-B9A720C085A8}" type="datetimeFigureOut">
+            <a:fld id="{0DAC5E0F-12EE-446B-A0C3-4505A06920C0}" type="datetimeFigureOut">
               <a:rPr lang="zh-CN" altLang="en-US" smtClean="0"/>
               <a:t>2024/3/10</a:t>
             </a:fld>
@@ -463,7 +463,7 @@
           <p:cNvPr id="5" name="页脚占位符 4">
             <a:extLst>
               <a:ext uri="{FF2B5EF4-FFF2-40B4-BE49-F238E27FC236}">
-                <a16:creationId xmlns:a16="http://schemas.microsoft.com/office/drawing/2014/main" id="{E3364FA3-890F-75B5-568A-65F9FA7D90E6}"/>
+                <a16:creationId xmlns:a16="http://schemas.microsoft.com/office/drawing/2014/main" id="{B31F96EE-D9D5-74DB-BEDD-0A0344B9B8E4}"/>
               </a:ext>
             </a:extLst>
           </p:cNvPr>
@@ -488,7 +488,7 @@
           <p:cNvPr id="6" name="灯片编号占位符 5">
             <a:extLst>
               <a:ext uri="{FF2B5EF4-FFF2-40B4-BE49-F238E27FC236}">
-                <a16:creationId xmlns:a16="http://schemas.microsoft.com/office/drawing/2014/main" id="{25774B15-2DF1-7053-FCDE-66EB9C57C5BB}"/>
+                <a16:creationId xmlns:a16="http://schemas.microsoft.com/office/drawing/2014/main" id="{84238517-EF77-DB2F-37E3-7D87FF961C5D}"/>
               </a:ext>
             </a:extLst>
           </p:cNvPr>
@@ -504,7 +504,7 @@
           <a:bodyPr/>
           <a:lstStyle/>
           <a:p>
-            <a:fld id="{872BF664-5CA2-44B9-A082-9917F68F0029}" type="slidenum">
+            <a:fld id="{561C2799-9A38-47BA-B221-F90C0E5BEF6B}" type="slidenum">
               <a:rPr lang="zh-CN" altLang="en-US" smtClean="0"/>
               <a:t>‹#›</a:t>
             </a:fld>
@@ -515,7 +515,7 @@
     </p:spTree>
     <p:extLst>
       <p:ext uri="{BB962C8B-B14F-4D97-AF65-F5344CB8AC3E}">
-        <p14:creationId xmlns:p14="http://schemas.microsoft.com/office/powerpoint/2010/main" val="2285702316"/>
+        <p14:creationId xmlns:p14="http://schemas.microsoft.com/office/powerpoint/2010/main" val="1220048361"/>
       </p:ext>
     </p:extLst>
   </p:cSld>
@@ -547,7 +547,7 @@
           <p:cNvPr id="2" name="竖排标题 1">
             <a:extLst>
               <a:ext uri="{FF2B5EF4-FFF2-40B4-BE49-F238E27FC236}">
-                <a16:creationId xmlns:a16="http://schemas.microsoft.com/office/drawing/2014/main" id="{148D97EC-6F74-9831-F919-CFA10284C883}"/>
+                <a16:creationId xmlns:a16="http://schemas.microsoft.com/office/drawing/2014/main" id="{609985BA-F83D-9BD7-607E-1901293B1EF4}"/>
               </a:ext>
             </a:extLst>
           </p:cNvPr>
@@ -580,7 +580,7 @@
           <p:cNvPr id="3" name="竖排文字占位符 2">
             <a:extLst>
               <a:ext uri="{FF2B5EF4-FFF2-40B4-BE49-F238E27FC236}">
-                <a16:creationId xmlns:a16="http://schemas.microsoft.com/office/drawing/2014/main" id="{945DC65B-0F47-6FA0-9A0D-F6C7C508E164}"/>
+                <a16:creationId xmlns:a16="http://schemas.microsoft.com/office/drawing/2014/main" id="{770928F2-53C5-6422-8933-0BC34CD516E2}"/>
               </a:ext>
             </a:extLst>
           </p:cNvPr>
@@ -642,7 +642,7 @@
           <p:cNvPr id="4" name="日期占位符 3">
             <a:extLst>
               <a:ext uri="{FF2B5EF4-FFF2-40B4-BE49-F238E27FC236}">
-                <a16:creationId xmlns:a16="http://schemas.microsoft.com/office/drawing/2014/main" id="{35742D26-7FAE-DD46-3CA0-DD5FEFC4CF60}"/>
+                <a16:creationId xmlns:a16="http://schemas.microsoft.com/office/drawing/2014/main" id="{2FFE44D9-F8C6-C3B4-56BB-278037CBCC05}"/>
               </a:ext>
             </a:extLst>
           </p:cNvPr>
@@ -658,7 +658,7 @@
           <a:bodyPr/>
           <a:lstStyle/>
           <a:p>
-            <a:fld id="{83858C2A-2375-4552-9220-B9A720C085A8}" type="datetimeFigureOut">
+            <a:fld id="{0DAC5E0F-12EE-446B-A0C3-4505A06920C0}" type="datetimeFigureOut">
               <a:rPr lang="zh-CN" altLang="en-US" smtClean="0"/>
               <a:t>2024/3/10</a:t>
             </a:fld>
@@ -671,7 +671,7 @@
           <p:cNvPr id="5" name="页脚占位符 4">
             <a:extLst>
               <a:ext uri="{FF2B5EF4-FFF2-40B4-BE49-F238E27FC236}">
-                <a16:creationId xmlns:a16="http://schemas.microsoft.com/office/drawing/2014/main" id="{21F98DA9-6CF5-64C0-697C-B26647115C9E}"/>
+                <a16:creationId xmlns:a16="http://schemas.microsoft.com/office/drawing/2014/main" id="{5847C691-40AB-7F52-DC08-A28F45FE9E62}"/>
               </a:ext>
             </a:extLst>
           </p:cNvPr>
@@ -696,7 +696,7 @@
           <p:cNvPr id="6" name="灯片编号占位符 5">
             <a:extLst>
               <a:ext uri="{FF2B5EF4-FFF2-40B4-BE49-F238E27FC236}">
-                <a16:creationId xmlns:a16="http://schemas.microsoft.com/office/drawing/2014/main" id="{631B9B5D-55BD-CC54-AF0E-935D597A1A29}"/>
+                <a16:creationId xmlns:a16="http://schemas.microsoft.com/office/drawing/2014/main" id="{F8798A30-BE0E-CEC3-0DB4-A8AF1CC45C92}"/>
               </a:ext>
             </a:extLst>
           </p:cNvPr>
@@ -712,7 +712,7 @@
           <a:bodyPr/>
           <a:lstStyle/>
           <a:p>
-            <a:fld id="{872BF664-5CA2-44B9-A082-9917F68F0029}" type="slidenum">
+            <a:fld id="{561C2799-9A38-47BA-B221-F90C0E5BEF6B}" type="slidenum">
               <a:rPr lang="zh-CN" altLang="en-US" smtClean="0"/>
               <a:t>‹#›</a:t>
             </a:fld>
@@ -723,7 +723,7 @@
     </p:spTree>
     <p:extLst>
       <p:ext uri="{BB962C8B-B14F-4D97-AF65-F5344CB8AC3E}">
-        <p14:creationId xmlns:p14="http://schemas.microsoft.com/office/powerpoint/2010/main" val="453460165"/>
+        <p14:creationId xmlns:p14="http://schemas.microsoft.com/office/powerpoint/2010/main" val="565416914"/>
       </p:ext>
     </p:extLst>
   </p:cSld>
@@ -755,7 +755,7 @@
           <p:cNvPr id="2" name="标题 1">
             <a:extLst>
               <a:ext uri="{FF2B5EF4-FFF2-40B4-BE49-F238E27FC236}">
-                <a16:creationId xmlns:a16="http://schemas.microsoft.com/office/drawing/2014/main" id="{C44801EC-7B9B-C78A-B7D0-8F899EDA01E0}"/>
+                <a16:creationId xmlns:a16="http://schemas.microsoft.com/office/drawing/2014/main" id="{D1FBAC96-913A-C033-2B12-552F6BFEB447}"/>
               </a:ext>
             </a:extLst>
           </p:cNvPr>
@@ -783,7 +783,7 @@
           <p:cNvPr id="3" name="内容占位符 2">
             <a:extLst>
               <a:ext uri="{FF2B5EF4-FFF2-40B4-BE49-F238E27FC236}">
-                <a16:creationId xmlns:a16="http://schemas.microsoft.com/office/drawing/2014/main" id="{9F0AB6F6-BE5C-9CAA-5A17-2B64B225CFF9}"/>
+                <a16:creationId xmlns:a16="http://schemas.microsoft.com/office/drawing/2014/main" id="{A1CD8154-402F-54D5-A418-631723E1FC72}"/>
               </a:ext>
             </a:extLst>
           </p:cNvPr>
@@ -840,7 +840,7 @@
           <p:cNvPr id="4" name="日期占位符 3">
             <a:extLst>
               <a:ext uri="{FF2B5EF4-FFF2-40B4-BE49-F238E27FC236}">
-                <a16:creationId xmlns:a16="http://schemas.microsoft.com/office/drawing/2014/main" id="{0A5A99AB-FBED-9FB1-5A7F-73CF888D707A}"/>
+                <a16:creationId xmlns:a16="http://schemas.microsoft.com/office/drawing/2014/main" id="{3B49B102-6852-64F9-5C00-C263765355BB}"/>
               </a:ext>
             </a:extLst>
           </p:cNvPr>
@@ -856,7 +856,7 @@
           <a:bodyPr/>
           <a:lstStyle/>
           <a:p>
-            <a:fld id="{83858C2A-2375-4552-9220-B9A720C085A8}" type="datetimeFigureOut">
+            <a:fld id="{0DAC5E0F-12EE-446B-A0C3-4505A06920C0}" type="datetimeFigureOut">
               <a:rPr lang="zh-CN" altLang="en-US" smtClean="0"/>
               <a:t>2024/3/10</a:t>
             </a:fld>
@@ -869,7 +869,7 @@
           <p:cNvPr id="5" name="页脚占位符 4">
             <a:extLst>
               <a:ext uri="{FF2B5EF4-FFF2-40B4-BE49-F238E27FC236}">
-                <a16:creationId xmlns:a16="http://schemas.microsoft.com/office/drawing/2014/main" id="{B8EF3C09-BAC8-D4DF-B892-022A5E23565F}"/>
+                <a16:creationId xmlns:a16="http://schemas.microsoft.com/office/drawing/2014/main" id="{F66878D1-83E4-510B-3F16-A60C536108B3}"/>
               </a:ext>
             </a:extLst>
           </p:cNvPr>
@@ -894,7 +894,7 @@
           <p:cNvPr id="6" name="灯片编号占位符 5">
             <a:extLst>
               <a:ext uri="{FF2B5EF4-FFF2-40B4-BE49-F238E27FC236}">
-                <a16:creationId xmlns:a16="http://schemas.microsoft.com/office/drawing/2014/main" id="{BE73ADFA-6FFE-95F9-9D13-2EAE788B268B}"/>
+                <a16:creationId xmlns:a16="http://schemas.microsoft.com/office/drawing/2014/main" id="{94F9C12A-020A-9498-D294-E9B66DBF53CB}"/>
               </a:ext>
             </a:extLst>
           </p:cNvPr>
@@ -910,7 +910,7 @@
           <a:bodyPr/>
           <a:lstStyle/>
           <a:p>
-            <a:fld id="{872BF664-5CA2-44B9-A082-9917F68F0029}" type="slidenum">
+            <a:fld id="{561C2799-9A38-47BA-B221-F90C0E5BEF6B}" type="slidenum">
               <a:rPr lang="zh-CN" altLang="en-US" smtClean="0"/>
               <a:t>‹#›</a:t>
             </a:fld>
@@ -921,7 +921,7 @@
     </p:spTree>
     <p:extLst>
       <p:ext uri="{BB962C8B-B14F-4D97-AF65-F5344CB8AC3E}">
-        <p14:creationId xmlns:p14="http://schemas.microsoft.com/office/powerpoint/2010/main" val="1331477942"/>
+        <p14:creationId xmlns:p14="http://schemas.microsoft.com/office/powerpoint/2010/main" val="3576986645"/>
       </p:ext>
     </p:extLst>
   </p:cSld>
@@ -953,7 +953,7 @@
           <p:cNvPr id="2" name="标题 1">
             <a:extLst>
               <a:ext uri="{FF2B5EF4-FFF2-40B4-BE49-F238E27FC236}">
-                <a16:creationId xmlns:a16="http://schemas.microsoft.com/office/drawing/2014/main" id="{443A57F8-F644-4514-92D5-D6200B64D743}"/>
+                <a16:creationId xmlns:a16="http://schemas.microsoft.com/office/drawing/2014/main" id="{AFAC7200-76A8-812B-F4B3-0C42839F0EAB}"/>
               </a:ext>
             </a:extLst>
           </p:cNvPr>
@@ -990,7 +990,7 @@
           <p:cNvPr id="3" name="文本占位符 2">
             <a:extLst>
               <a:ext uri="{FF2B5EF4-FFF2-40B4-BE49-F238E27FC236}">
-                <a16:creationId xmlns:a16="http://schemas.microsoft.com/office/drawing/2014/main" id="{9F8B7576-D3DA-6FCC-B92B-E4552EDC4E0C}"/>
+                <a16:creationId xmlns:a16="http://schemas.microsoft.com/office/drawing/2014/main" id="{0893CC01-E1C8-BDCF-2B6F-87A5D477A433}"/>
               </a:ext>
             </a:extLst>
           </p:cNvPr>
@@ -1115,7 +1115,7 @@
           <p:cNvPr id="4" name="日期占位符 3">
             <a:extLst>
               <a:ext uri="{FF2B5EF4-FFF2-40B4-BE49-F238E27FC236}">
-                <a16:creationId xmlns:a16="http://schemas.microsoft.com/office/drawing/2014/main" id="{696C5D8C-5677-6237-B17A-306ADB34721A}"/>
+                <a16:creationId xmlns:a16="http://schemas.microsoft.com/office/drawing/2014/main" id="{C2C801B1-AB0D-8E91-5CB8-2E188E3E25F6}"/>
               </a:ext>
             </a:extLst>
           </p:cNvPr>
@@ -1131,7 +1131,7 @@
           <a:bodyPr/>
           <a:lstStyle/>
           <a:p>
-            <a:fld id="{83858C2A-2375-4552-9220-B9A720C085A8}" type="datetimeFigureOut">
+            <a:fld id="{0DAC5E0F-12EE-446B-A0C3-4505A06920C0}" type="datetimeFigureOut">
               <a:rPr lang="zh-CN" altLang="en-US" smtClean="0"/>
               <a:t>2024/3/10</a:t>
             </a:fld>
@@ -1144,7 +1144,7 @@
           <p:cNvPr id="5" name="页脚占位符 4">
             <a:extLst>
               <a:ext uri="{FF2B5EF4-FFF2-40B4-BE49-F238E27FC236}">
-                <a16:creationId xmlns:a16="http://schemas.microsoft.com/office/drawing/2014/main" id="{F0FDEE1D-DCDF-EE7C-A1DC-CD0427D48AB6}"/>
+                <a16:creationId xmlns:a16="http://schemas.microsoft.com/office/drawing/2014/main" id="{0934B16B-9B11-1E8C-9C8F-33691B8C8DC4}"/>
               </a:ext>
             </a:extLst>
           </p:cNvPr>
@@ -1169,7 +1169,7 @@
           <p:cNvPr id="6" name="灯片编号占位符 5">
             <a:extLst>
               <a:ext uri="{FF2B5EF4-FFF2-40B4-BE49-F238E27FC236}">
-                <a16:creationId xmlns:a16="http://schemas.microsoft.com/office/drawing/2014/main" id="{A0C60199-BC47-0010-6367-C66FC4A7CDC8}"/>
+                <a16:creationId xmlns:a16="http://schemas.microsoft.com/office/drawing/2014/main" id="{E2CF22CF-05C0-D3D0-3B46-81A282445BB2}"/>
               </a:ext>
             </a:extLst>
           </p:cNvPr>
@@ -1185,7 +1185,7 @@
           <a:bodyPr/>
           <a:lstStyle/>
           <a:p>
-            <a:fld id="{872BF664-5CA2-44B9-A082-9917F68F0029}" type="slidenum">
+            <a:fld id="{561C2799-9A38-47BA-B221-F90C0E5BEF6B}" type="slidenum">
               <a:rPr lang="zh-CN" altLang="en-US" smtClean="0"/>
               <a:t>‹#›</a:t>
             </a:fld>
@@ -1196,7 +1196,7 @@
     </p:spTree>
     <p:extLst>
       <p:ext uri="{BB962C8B-B14F-4D97-AF65-F5344CB8AC3E}">
-        <p14:creationId xmlns:p14="http://schemas.microsoft.com/office/powerpoint/2010/main" val="966267825"/>
+        <p14:creationId xmlns:p14="http://schemas.microsoft.com/office/powerpoint/2010/main" val="4084366443"/>
       </p:ext>
     </p:extLst>
   </p:cSld>
@@ -1228,7 +1228,7 @@
           <p:cNvPr id="2" name="标题 1">
             <a:extLst>
               <a:ext uri="{FF2B5EF4-FFF2-40B4-BE49-F238E27FC236}">
-                <a16:creationId xmlns:a16="http://schemas.microsoft.com/office/drawing/2014/main" id="{72E0DAA4-0546-AE79-C479-4DDEEFAC1BA6}"/>
+                <a16:creationId xmlns:a16="http://schemas.microsoft.com/office/drawing/2014/main" id="{F7397085-C1DB-D681-7039-F83D69495ADE}"/>
               </a:ext>
             </a:extLst>
           </p:cNvPr>
@@ -1256,7 +1256,7 @@
           <p:cNvPr id="3" name="内容占位符 2">
             <a:extLst>
               <a:ext uri="{FF2B5EF4-FFF2-40B4-BE49-F238E27FC236}">
-                <a16:creationId xmlns:a16="http://schemas.microsoft.com/office/drawing/2014/main" id="{74409675-E78F-63E1-4BD0-E13616DA90B4}"/>
+                <a16:creationId xmlns:a16="http://schemas.microsoft.com/office/drawing/2014/main" id="{F2C6B529-AF21-DE6F-1D2A-FFE2CB91A300}"/>
               </a:ext>
             </a:extLst>
           </p:cNvPr>
@@ -1318,7 +1318,7 @@
           <p:cNvPr id="4" name="内容占位符 3">
             <a:extLst>
               <a:ext uri="{FF2B5EF4-FFF2-40B4-BE49-F238E27FC236}">
-                <a16:creationId xmlns:a16="http://schemas.microsoft.com/office/drawing/2014/main" id="{55B5D78A-9627-F812-D02A-097B51C34E68}"/>
+                <a16:creationId xmlns:a16="http://schemas.microsoft.com/office/drawing/2014/main" id="{57986018-AF08-6F80-A97D-1FA3FDC2DB9B}"/>
               </a:ext>
             </a:extLst>
           </p:cNvPr>
@@ -1380,7 +1380,7 @@
           <p:cNvPr id="5" name="日期占位符 4">
             <a:extLst>
               <a:ext uri="{FF2B5EF4-FFF2-40B4-BE49-F238E27FC236}">
-                <a16:creationId xmlns:a16="http://schemas.microsoft.com/office/drawing/2014/main" id="{5702E7F1-C38E-2AC2-0E8D-DE686D030DEB}"/>
+                <a16:creationId xmlns:a16="http://schemas.microsoft.com/office/drawing/2014/main" id="{B106EFA0-06E1-EDE3-CF24-3F9FA8B5F51B}"/>
               </a:ext>
             </a:extLst>
           </p:cNvPr>
@@ -1396,7 +1396,7 @@
           <a:bodyPr/>
           <a:lstStyle/>
           <a:p>
-            <a:fld id="{83858C2A-2375-4552-9220-B9A720C085A8}" type="datetimeFigureOut">
+            <a:fld id="{0DAC5E0F-12EE-446B-A0C3-4505A06920C0}" type="datetimeFigureOut">
               <a:rPr lang="zh-CN" altLang="en-US" smtClean="0"/>
               <a:t>2024/3/10</a:t>
             </a:fld>
@@ -1409,7 +1409,7 @@
           <p:cNvPr id="6" name="页脚占位符 5">
             <a:extLst>
               <a:ext uri="{FF2B5EF4-FFF2-40B4-BE49-F238E27FC236}">
-                <a16:creationId xmlns:a16="http://schemas.microsoft.com/office/drawing/2014/main" id="{ACA091A8-2CF4-8B20-A342-5534583459AE}"/>
+                <a16:creationId xmlns:a16="http://schemas.microsoft.com/office/drawing/2014/main" id="{4755E98C-9B89-4FC6-B92E-ECCCF71E1E3C}"/>
               </a:ext>
             </a:extLst>
           </p:cNvPr>
@@ -1434,7 +1434,7 @@
           <p:cNvPr id="7" name="灯片编号占位符 6">
             <a:extLst>
               <a:ext uri="{FF2B5EF4-FFF2-40B4-BE49-F238E27FC236}">
-                <a16:creationId xmlns:a16="http://schemas.microsoft.com/office/drawing/2014/main" id="{1B41762B-417C-8AB8-2132-E2BFD148691C}"/>
+                <a16:creationId xmlns:a16="http://schemas.microsoft.com/office/drawing/2014/main" id="{FA6FDEF9-E8E2-06E7-5546-24939BBC9FB1}"/>
               </a:ext>
             </a:extLst>
           </p:cNvPr>
@@ -1450,7 +1450,7 @@
           <a:bodyPr/>
           <a:lstStyle/>
           <a:p>
-            <a:fld id="{872BF664-5CA2-44B9-A082-9917F68F0029}" type="slidenum">
+            <a:fld id="{561C2799-9A38-47BA-B221-F90C0E5BEF6B}" type="slidenum">
               <a:rPr lang="zh-CN" altLang="en-US" smtClean="0"/>
               <a:t>‹#›</a:t>
             </a:fld>
@@ -1461,7 +1461,7 @@
     </p:spTree>
     <p:extLst>
       <p:ext uri="{BB962C8B-B14F-4D97-AF65-F5344CB8AC3E}">
-        <p14:creationId xmlns:p14="http://schemas.microsoft.com/office/powerpoint/2010/main" val="4142956011"/>
+        <p14:creationId xmlns:p14="http://schemas.microsoft.com/office/powerpoint/2010/main" val="3159904499"/>
       </p:ext>
     </p:extLst>
   </p:cSld>
@@ -1493,7 +1493,7 @@
           <p:cNvPr id="2" name="标题 1">
             <a:extLst>
               <a:ext uri="{FF2B5EF4-FFF2-40B4-BE49-F238E27FC236}">
-                <a16:creationId xmlns:a16="http://schemas.microsoft.com/office/drawing/2014/main" id="{8769A2D7-0924-84B1-E718-ECD85B48BF31}"/>
+                <a16:creationId xmlns:a16="http://schemas.microsoft.com/office/drawing/2014/main" id="{38EE9C86-7697-DAEB-4D11-84E1B9EFC517}"/>
               </a:ext>
             </a:extLst>
           </p:cNvPr>
@@ -1526,7 +1526,7 @@
           <p:cNvPr id="3" name="文本占位符 2">
             <a:extLst>
               <a:ext uri="{FF2B5EF4-FFF2-40B4-BE49-F238E27FC236}">
-                <a16:creationId xmlns:a16="http://schemas.microsoft.com/office/drawing/2014/main" id="{16EDF374-6EE3-78C8-21D6-7C2A324606C3}"/>
+                <a16:creationId xmlns:a16="http://schemas.microsoft.com/office/drawing/2014/main" id="{E7FC01F8-617B-666C-6665-9D4ED2619730}"/>
               </a:ext>
             </a:extLst>
           </p:cNvPr>
@@ -1597,7 +1597,7 @@
           <p:cNvPr id="4" name="内容占位符 3">
             <a:extLst>
               <a:ext uri="{FF2B5EF4-FFF2-40B4-BE49-F238E27FC236}">
-                <a16:creationId xmlns:a16="http://schemas.microsoft.com/office/drawing/2014/main" id="{E9E773A3-FDBB-80C2-7002-522BD28BFDA1}"/>
+                <a16:creationId xmlns:a16="http://schemas.microsoft.com/office/drawing/2014/main" id="{921E905F-1165-4D17-CCFB-4242FD0F283E}"/>
               </a:ext>
             </a:extLst>
           </p:cNvPr>
@@ -1659,7 +1659,7 @@
           <p:cNvPr id="5" name="文本占位符 4">
             <a:extLst>
               <a:ext uri="{FF2B5EF4-FFF2-40B4-BE49-F238E27FC236}">
-                <a16:creationId xmlns:a16="http://schemas.microsoft.com/office/drawing/2014/main" id="{052DAE13-E87C-E372-F03B-A5383A79BBA1}"/>
+                <a16:creationId xmlns:a16="http://schemas.microsoft.com/office/drawing/2014/main" id="{4D2512F9-50DE-03EE-C133-EB7389D8C0C0}"/>
               </a:ext>
             </a:extLst>
           </p:cNvPr>
@@ -1730,7 +1730,7 @@
           <p:cNvPr id="6" name="内容占位符 5">
             <a:extLst>
               <a:ext uri="{FF2B5EF4-FFF2-40B4-BE49-F238E27FC236}">
-                <a16:creationId xmlns:a16="http://schemas.microsoft.com/office/drawing/2014/main" id="{45EAE9E4-1844-F2AD-FCC0-9784D3A1D063}"/>
+                <a16:creationId xmlns:a16="http://schemas.microsoft.com/office/drawing/2014/main" id="{6698BF7B-CEE7-0154-88ED-F212C2D98262}"/>
               </a:ext>
             </a:extLst>
           </p:cNvPr>
@@ -1792,7 +1792,7 @@
           <p:cNvPr id="7" name="日期占位符 6">
             <a:extLst>
               <a:ext uri="{FF2B5EF4-FFF2-40B4-BE49-F238E27FC236}">
-                <a16:creationId xmlns:a16="http://schemas.microsoft.com/office/drawing/2014/main" id="{4DDD2DC8-EBFB-6295-1F43-CE473F6A69F9}"/>
+                <a16:creationId xmlns:a16="http://schemas.microsoft.com/office/drawing/2014/main" id="{27B79FEF-3D32-924B-DCAD-A4BDDC0E0152}"/>
               </a:ext>
             </a:extLst>
           </p:cNvPr>
@@ -1808,7 +1808,7 @@
           <a:bodyPr/>
           <a:lstStyle/>
           <a:p>
-            <a:fld id="{83858C2A-2375-4552-9220-B9A720C085A8}" type="datetimeFigureOut">
+            <a:fld id="{0DAC5E0F-12EE-446B-A0C3-4505A06920C0}" type="datetimeFigureOut">
               <a:rPr lang="zh-CN" altLang="en-US" smtClean="0"/>
               <a:t>2024/3/10</a:t>
             </a:fld>
@@ -1821,7 +1821,7 @@
           <p:cNvPr id="8" name="页脚占位符 7">
             <a:extLst>
               <a:ext uri="{FF2B5EF4-FFF2-40B4-BE49-F238E27FC236}">
-                <a16:creationId xmlns:a16="http://schemas.microsoft.com/office/drawing/2014/main" id="{27501B2F-83CC-5DC3-406E-B2B55A034F4E}"/>
+                <a16:creationId xmlns:a16="http://schemas.microsoft.com/office/drawing/2014/main" id="{FF3B0BA5-F978-AEF4-98DA-B25BEDD1E3BB}"/>
               </a:ext>
             </a:extLst>
           </p:cNvPr>
@@ -1846,7 +1846,7 @@
           <p:cNvPr id="9" name="灯片编号占位符 8">
             <a:extLst>
               <a:ext uri="{FF2B5EF4-FFF2-40B4-BE49-F238E27FC236}">
-                <a16:creationId xmlns:a16="http://schemas.microsoft.com/office/drawing/2014/main" id="{FDF81F22-4027-2B3D-815B-961C30F57D21}"/>
+                <a16:creationId xmlns:a16="http://schemas.microsoft.com/office/drawing/2014/main" id="{0E02A0CB-48AE-9C0E-3AC3-855F334BA5FC}"/>
               </a:ext>
             </a:extLst>
           </p:cNvPr>
@@ -1862,7 +1862,7 @@
           <a:bodyPr/>
           <a:lstStyle/>
           <a:p>
-            <a:fld id="{872BF664-5CA2-44B9-A082-9917F68F0029}" type="slidenum">
+            <a:fld id="{561C2799-9A38-47BA-B221-F90C0E5BEF6B}" type="slidenum">
               <a:rPr lang="zh-CN" altLang="en-US" smtClean="0"/>
               <a:t>‹#›</a:t>
             </a:fld>
@@ -1873,7 +1873,7 @@
     </p:spTree>
     <p:extLst>
       <p:ext uri="{BB962C8B-B14F-4D97-AF65-F5344CB8AC3E}">
-        <p14:creationId xmlns:p14="http://schemas.microsoft.com/office/powerpoint/2010/main" val="2618993672"/>
+        <p14:creationId xmlns:p14="http://schemas.microsoft.com/office/powerpoint/2010/main" val="3531503803"/>
       </p:ext>
     </p:extLst>
   </p:cSld>
@@ -1905,7 +1905,7 @@
           <p:cNvPr id="2" name="标题 1">
             <a:extLst>
               <a:ext uri="{FF2B5EF4-FFF2-40B4-BE49-F238E27FC236}">
-                <a16:creationId xmlns:a16="http://schemas.microsoft.com/office/drawing/2014/main" id="{B6D6F485-0027-2418-798D-9CE864F546C0}"/>
+                <a16:creationId xmlns:a16="http://schemas.microsoft.com/office/drawing/2014/main" id="{BB54AD39-4197-C97F-4D21-FA5A7229DC26}"/>
               </a:ext>
             </a:extLst>
           </p:cNvPr>
@@ -1933,7 +1933,7 @@
           <p:cNvPr id="3" name="日期占位符 2">
             <a:extLst>
               <a:ext uri="{FF2B5EF4-FFF2-40B4-BE49-F238E27FC236}">
-                <a16:creationId xmlns:a16="http://schemas.microsoft.com/office/drawing/2014/main" id="{D01972BE-476C-BCE5-043D-090E72B0851F}"/>
+                <a16:creationId xmlns:a16="http://schemas.microsoft.com/office/drawing/2014/main" id="{9303C724-5B81-EAD7-10D5-A5BFCB2E3FFC}"/>
               </a:ext>
             </a:extLst>
           </p:cNvPr>
@@ -1949,7 +1949,7 @@
           <a:bodyPr/>
           <a:lstStyle/>
           <a:p>
-            <a:fld id="{83858C2A-2375-4552-9220-B9A720C085A8}" type="datetimeFigureOut">
+            <a:fld id="{0DAC5E0F-12EE-446B-A0C3-4505A06920C0}" type="datetimeFigureOut">
               <a:rPr lang="zh-CN" altLang="en-US" smtClean="0"/>
               <a:t>2024/3/10</a:t>
             </a:fld>
@@ -1962,7 +1962,7 @@
           <p:cNvPr id="4" name="页脚占位符 3">
             <a:extLst>
               <a:ext uri="{FF2B5EF4-FFF2-40B4-BE49-F238E27FC236}">
-                <a16:creationId xmlns:a16="http://schemas.microsoft.com/office/drawing/2014/main" id="{7796079D-337B-26B2-EAFC-AF1B480F6AEF}"/>
+                <a16:creationId xmlns:a16="http://schemas.microsoft.com/office/drawing/2014/main" id="{A36D7885-659E-AA55-9FE5-210EE8EBE8BC}"/>
               </a:ext>
             </a:extLst>
           </p:cNvPr>
@@ -1987,7 +1987,7 @@
           <p:cNvPr id="5" name="灯片编号占位符 4">
             <a:extLst>
               <a:ext uri="{FF2B5EF4-FFF2-40B4-BE49-F238E27FC236}">
-                <a16:creationId xmlns:a16="http://schemas.microsoft.com/office/drawing/2014/main" id="{A0E73D22-679C-10AA-31E2-336050B51997}"/>
+                <a16:creationId xmlns:a16="http://schemas.microsoft.com/office/drawing/2014/main" id="{8C148B03-9055-B9E2-D3AA-0FACD653E2F5}"/>
               </a:ext>
             </a:extLst>
           </p:cNvPr>
@@ -2003,7 +2003,7 @@
           <a:bodyPr/>
           <a:lstStyle/>
           <a:p>
-            <a:fld id="{872BF664-5CA2-44B9-A082-9917F68F0029}" type="slidenum">
+            <a:fld id="{561C2799-9A38-47BA-B221-F90C0E5BEF6B}" type="slidenum">
               <a:rPr lang="zh-CN" altLang="en-US" smtClean="0"/>
               <a:t>‹#›</a:t>
             </a:fld>
@@ -2014,7 +2014,7 @@
     </p:spTree>
     <p:extLst>
       <p:ext uri="{BB962C8B-B14F-4D97-AF65-F5344CB8AC3E}">
-        <p14:creationId xmlns:p14="http://schemas.microsoft.com/office/powerpoint/2010/main" val="800886348"/>
+        <p14:creationId xmlns:p14="http://schemas.microsoft.com/office/powerpoint/2010/main" val="4217286432"/>
       </p:ext>
     </p:extLst>
   </p:cSld>
@@ -2046,7 +2046,7 @@
           <p:cNvPr id="2" name="日期占位符 1">
             <a:extLst>
               <a:ext uri="{FF2B5EF4-FFF2-40B4-BE49-F238E27FC236}">
-                <a16:creationId xmlns:a16="http://schemas.microsoft.com/office/drawing/2014/main" id="{F36E9ACF-760D-7360-73A5-0A92DA29CEDC}"/>
+                <a16:creationId xmlns:a16="http://schemas.microsoft.com/office/drawing/2014/main" id="{D563DA1A-DB20-97CA-F391-6BC313499222}"/>
               </a:ext>
             </a:extLst>
           </p:cNvPr>
@@ -2062,7 +2062,7 @@
           <a:bodyPr/>
           <a:lstStyle/>
           <a:p>
-            <a:fld id="{83858C2A-2375-4552-9220-B9A720C085A8}" type="datetimeFigureOut">
+            <a:fld id="{0DAC5E0F-12EE-446B-A0C3-4505A06920C0}" type="datetimeFigureOut">
               <a:rPr lang="zh-CN" altLang="en-US" smtClean="0"/>
               <a:t>2024/3/10</a:t>
             </a:fld>
@@ -2075,7 +2075,7 @@
           <p:cNvPr id="3" name="页脚占位符 2">
             <a:extLst>
               <a:ext uri="{FF2B5EF4-FFF2-40B4-BE49-F238E27FC236}">
-                <a16:creationId xmlns:a16="http://schemas.microsoft.com/office/drawing/2014/main" id="{57EA3F2A-CDAC-63FF-99E1-5EEC9C32E730}"/>
+                <a16:creationId xmlns:a16="http://schemas.microsoft.com/office/drawing/2014/main" id="{D9929067-68C9-67FD-F572-F729A1F32A71}"/>
               </a:ext>
             </a:extLst>
           </p:cNvPr>
@@ -2100,7 +2100,7 @@
           <p:cNvPr id="4" name="灯片编号占位符 3">
             <a:extLst>
               <a:ext uri="{FF2B5EF4-FFF2-40B4-BE49-F238E27FC236}">
-                <a16:creationId xmlns:a16="http://schemas.microsoft.com/office/drawing/2014/main" id="{D92E6CE9-7E0C-3D73-50CA-56836D81A356}"/>
+                <a16:creationId xmlns:a16="http://schemas.microsoft.com/office/drawing/2014/main" id="{F6E8D09A-42A9-AECE-D028-484C62B96C01}"/>
               </a:ext>
             </a:extLst>
           </p:cNvPr>
@@ -2116,7 +2116,7 @@
           <a:bodyPr/>
           <a:lstStyle/>
           <a:p>
-            <a:fld id="{872BF664-5CA2-44B9-A082-9917F68F0029}" type="slidenum">
+            <a:fld id="{561C2799-9A38-47BA-B221-F90C0E5BEF6B}" type="slidenum">
               <a:rPr lang="zh-CN" altLang="en-US" smtClean="0"/>
               <a:t>‹#›</a:t>
             </a:fld>
@@ -2127,7 +2127,7 @@
     </p:spTree>
     <p:extLst>
       <p:ext uri="{BB962C8B-B14F-4D97-AF65-F5344CB8AC3E}">
-        <p14:creationId xmlns:p14="http://schemas.microsoft.com/office/powerpoint/2010/main" val="70526591"/>
+        <p14:creationId xmlns:p14="http://schemas.microsoft.com/office/powerpoint/2010/main" val="1084858143"/>
       </p:ext>
     </p:extLst>
   </p:cSld>
@@ -2159,7 +2159,7 @@
           <p:cNvPr id="2" name="标题 1">
             <a:extLst>
               <a:ext uri="{FF2B5EF4-FFF2-40B4-BE49-F238E27FC236}">
-                <a16:creationId xmlns:a16="http://schemas.microsoft.com/office/drawing/2014/main" id="{F809E1AE-5F9F-9A4F-AE3A-AE7A351A2CDF}"/>
+                <a16:creationId xmlns:a16="http://schemas.microsoft.com/office/drawing/2014/main" id="{0A871382-7E11-DD6D-0016-9205F8636269}"/>
               </a:ext>
             </a:extLst>
           </p:cNvPr>
@@ -2196,7 +2196,7 @@
           <p:cNvPr id="3" name="内容占位符 2">
             <a:extLst>
               <a:ext uri="{FF2B5EF4-FFF2-40B4-BE49-F238E27FC236}">
-                <a16:creationId xmlns:a16="http://schemas.microsoft.com/office/drawing/2014/main" id="{437789B1-BD3C-B895-9B15-6595F3543633}"/>
+                <a16:creationId xmlns:a16="http://schemas.microsoft.com/office/drawing/2014/main" id="{C0DD6833-6F65-7C73-A0FE-10FDF6849A8F}"/>
               </a:ext>
             </a:extLst>
           </p:cNvPr>
@@ -2286,7 +2286,7 @@
           <p:cNvPr id="4" name="文本占位符 3">
             <a:extLst>
               <a:ext uri="{FF2B5EF4-FFF2-40B4-BE49-F238E27FC236}">
-                <a16:creationId xmlns:a16="http://schemas.microsoft.com/office/drawing/2014/main" id="{B9863F02-96C2-CA7F-9E67-4BA88097DD11}"/>
+                <a16:creationId xmlns:a16="http://schemas.microsoft.com/office/drawing/2014/main" id="{647FD6F6-AD92-7A8E-0D76-AABB1F2FA375}"/>
               </a:ext>
             </a:extLst>
           </p:cNvPr>
@@ -2357,7 +2357,7 @@
           <p:cNvPr id="5" name="日期占位符 4">
             <a:extLst>
               <a:ext uri="{FF2B5EF4-FFF2-40B4-BE49-F238E27FC236}">
-                <a16:creationId xmlns:a16="http://schemas.microsoft.com/office/drawing/2014/main" id="{0E3F7BE6-4EA1-FB47-80F3-811121632B5C}"/>
+                <a16:creationId xmlns:a16="http://schemas.microsoft.com/office/drawing/2014/main" id="{5240A153-A58B-0119-F9B6-A166B6767F06}"/>
               </a:ext>
             </a:extLst>
           </p:cNvPr>
@@ -2373,7 +2373,7 @@
           <a:bodyPr/>
           <a:lstStyle/>
           <a:p>
-            <a:fld id="{83858C2A-2375-4552-9220-B9A720C085A8}" type="datetimeFigureOut">
+            <a:fld id="{0DAC5E0F-12EE-446B-A0C3-4505A06920C0}" type="datetimeFigureOut">
               <a:rPr lang="zh-CN" altLang="en-US" smtClean="0"/>
               <a:t>2024/3/10</a:t>
             </a:fld>
@@ -2386,7 +2386,7 @@
           <p:cNvPr id="6" name="页脚占位符 5">
             <a:extLst>
               <a:ext uri="{FF2B5EF4-FFF2-40B4-BE49-F238E27FC236}">
-                <a16:creationId xmlns:a16="http://schemas.microsoft.com/office/drawing/2014/main" id="{23B1CD1C-B7C4-E92C-501F-D82245A8F9D2}"/>
+                <a16:creationId xmlns:a16="http://schemas.microsoft.com/office/drawing/2014/main" id="{3D96CB32-8B86-76BB-2E58-2D3B4D53692D}"/>
               </a:ext>
             </a:extLst>
           </p:cNvPr>
@@ -2411,7 +2411,7 @@
           <p:cNvPr id="7" name="灯片编号占位符 6">
             <a:extLst>
               <a:ext uri="{FF2B5EF4-FFF2-40B4-BE49-F238E27FC236}">
-                <a16:creationId xmlns:a16="http://schemas.microsoft.com/office/drawing/2014/main" id="{E90E4789-5D03-EE88-F9A4-8A5C667EC90C}"/>
+                <a16:creationId xmlns:a16="http://schemas.microsoft.com/office/drawing/2014/main" id="{44A68CF9-1175-FB27-D86C-1B945FFFD8E5}"/>
               </a:ext>
             </a:extLst>
           </p:cNvPr>
@@ -2427,7 +2427,7 @@
           <a:bodyPr/>
           <a:lstStyle/>
           <a:p>
-            <a:fld id="{872BF664-5CA2-44B9-A082-9917F68F0029}" type="slidenum">
+            <a:fld id="{561C2799-9A38-47BA-B221-F90C0E5BEF6B}" type="slidenum">
               <a:rPr lang="zh-CN" altLang="en-US" smtClean="0"/>
               <a:t>‹#›</a:t>
             </a:fld>
@@ -2438,7 +2438,7 @@
     </p:spTree>
     <p:extLst>
       <p:ext uri="{BB962C8B-B14F-4D97-AF65-F5344CB8AC3E}">
-        <p14:creationId xmlns:p14="http://schemas.microsoft.com/office/powerpoint/2010/main" val="3681580839"/>
+        <p14:creationId xmlns:p14="http://schemas.microsoft.com/office/powerpoint/2010/main" val="1892309279"/>
       </p:ext>
     </p:extLst>
   </p:cSld>
@@ -2470,7 +2470,7 @@
           <p:cNvPr id="2" name="标题 1">
             <a:extLst>
               <a:ext uri="{FF2B5EF4-FFF2-40B4-BE49-F238E27FC236}">
-                <a16:creationId xmlns:a16="http://schemas.microsoft.com/office/drawing/2014/main" id="{50A5918D-5224-262A-D57A-6CAF4EE99B16}"/>
+                <a16:creationId xmlns:a16="http://schemas.microsoft.com/office/drawing/2014/main" id="{9B0534C8-399C-F567-8AE9-46C7CF57A64E}"/>
               </a:ext>
             </a:extLst>
           </p:cNvPr>
@@ -2507,7 +2507,7 @@
           <p:cNvPr id="3" name="图片占位符 2">
             <a:extLst>
               <a:ext uri="{FF2B5EF4-FFF2-40B4-BE49-F238E27FC236}">
-                <a16:creationId xmlns:a16="http://schemas.microsoft.com/office/drawing/2014/main" id="{FFD78556-1E88-53F8-6C37-CAFE3DF3B09F}"/>
+                <a16:creationId xmlns:a16="http://schemas.microsoft.com/office/drawing/2014/main" id="{D66B23AA-D7EA-2A2A-6E97-1AA8B7B9C7C5}"/>
               </a:ext>
             </a:extLst>
           </p:cNvPr>
@@ -2574,7 +2574,7 @@
           <p:cNvPr id="4" name="文本占位符 3">
             <a:extLst>
               <a:ext uri="{FF2B5EF4-FFF2-40B4-BE49-F238E27FC236}">
-                <a16:creationId xmlns:a16="http://schemas.microsoft.com/office/drawing/2014/main" id="{8D8BF0A9-F828-5787-8409-740F562F3982}"/>
+                <a16:creationId xmlns:a16="http://schemas.microsoft.com/office/drawing/2014/main" id="{307B8FEA-AD8C-5689-5DC1-98AA2CEEC1C1}"/>
               </a:ext>
             </a:extLst>
           </p:cNvPr>
@@ -2645,7 +2645,7 @@
           <p:cNvPr id="5" name="日期占位符 4">
             <a:extLst>
               <a:ext uri="{FF2B5EF4-FFF2-40B4-BE49-F238E27FC236}">
-                <a16:creationId xmlns:a16="http://schemas.microsoft.com/office/drawing/2014/main" id="{7C36820C-B489-739A-565E-C26327806881}"/>
+                <a16:creationId xmlns:a16="http://schemas.microsoft.com/office/drawing/2014/main" id="{228F7A2D-896F-C58A-C34D-78DB78809F0A}"/>
               </a:ext>
             </a:extLst>
           </p:cNvPr>
@@ -2661,7 +2661,7 @@
           <a:bodyPr/>
           <a:lstStyle/>
           <a:p>
-            <a:fld id="{83858C2A-2375-4552-9220-B9A720C085A8}" type="datetimeFigureOut">
+            <a:fld id="{0DAC5E0F-12EE-446B-A0C3-4505A06920C0}" type="datetimeFigureOut">
               <a:rPr lang="zh-CN" altLang="en-US" smtClean="0"/>
               <a:t>2024/3/10</a:t>
             </a:fld>
@@ -2674,7 +2674,7 @@
           <p:cNvPr id="6" name="页脚占位符 5">
             <a:extLst>
               <a:ext uri="{FF2B5EF4-FFF2-40B4-BE49-F238E27FC236}">
-                <a16:creationId xmlns:a16="http://schemas.microsoft.com/office/drawing/2014/main" id="{BD9EB3B0-2E93-0663-D235-E4CF09AC223C}"/>
+                <a16:creationId xmlns:a16="http://schemas.microsoft.com/office/drawing/2014/main" id="{2E8ADB9A-53B6-C072-55CF-42AF1C55D641}"/>
               </a:ext>
             </a:extLst>
           </p:cNvPr>
@@ -2699,7 +2699,7 @@
           <p:cNvPr id="7" name="灯片编号占位符 6">
             <a:extLst>
               <a:ext uri="{FF2B5EF4-FFF2-40B4-BE49-F238E27FC236}">
-                <a16:creationId xmlns:a16="http://schemas.microsoft.com/office/drawing/2014/main" id="{5CB6EE50-321A-FB92-71D3-BA98B8FDFA20}"/>
+                <a16:creationId xmlns:a16="http://schemas.microsoft.com/office/drawing/2014/main" id="{46250BC1-DDB6-4B20-1859-8B69384AE19A}"/>
               </a:ext>
             </a:extLst>
           </p:cNvPr>
@@ -2715,7 +2715,7 @@
           <a:bodyPr/>
           <a:lstStyle/>
           <a:p>
-            <a:fld id="{872BF664-5CA2-44B9-A082-9917F68F0029}" type="slidenum">
+            <a:fld id="{561C2799-9A38-47BA-B221-F90C0E5BEF6B}" type="slidenum">
               <a:rPr lang="zh-CN" altLang="en-US" smtClean="0"/>
               <a:t>‹#›</a:t>
             </a:fld>
@@ -2726,7 +2726,7 @@
     </p:spTree>
     <p:extLst>
       <p:ext uri="{BB962C8B-B14F-4D97-AF65-F5344CB8AC3E}">
-        <p14:creationId xmlns:p14="http://schemas.microsoft.com/office/powerpoint/2010/main" val="3238854728"/>
+        <p14:creationId xmlns:p14="http://schemas.microsoft.com/office/powerpoint/2010/main" val="2784009773"/>
       </p:ext>
     </p:extLst>
   </p:cSld>
@@ -2763,7 +2763,7 @@
           <p:cNvPr id="2" name="标题占位符 1">
             <a:extLst>
               <a:ext uri="{FF2B5EF4-FFF2-40B4-BE49-F238E27FC236}">
-                <a16:creationId xmlns:a16="http://schemas.microsoft.com/office/drawing/2014/main" id="{4FFA1AC7-397B-CADF-C475-8575609819A2}"/>
+                <a16:creationId xmlns:a16="http://schemas.microsoft.com/office/drawing/2014/main" id="{1C3D3B28-3B97-3B42-0E76-97632BF2396C}"/>
               </a:ext>
             </a:extLst>
           </p:cNvPr>
@@ -2801,7 +2801,7 @@
           <p:cNvPr id="3" name="文本占位符 2">
             <a:extLst>
               <a:ext uri="{FF2B5EF4-FFF2-40B4-BE49-F238E27FC236}">
-                <a16:creationId xmlns:a16="http://schemas.microsoft.com/office/drawing/2014/main" id="{CE55AD5C-DD97-5509-D31A-3A140229C1E4}"/>
+                <a16:creationId xmlns:a16="http://schemas.microsoft.com/office/drawing/2014/main" id="{2883EE6D-031B-D669-5AF8-DA6FF293E1D4}"/>
               </a:ext>
             </a:extLst>
           </p:cNvPr>
@@ -2868,7 +2868,7 @@
           <p:cNvPr id="4" name="日期占位符 3">
             <a:extLst>
               <a:ext uri="{FF2B5EF4-FFF2-40B4-BE49-F238E27FC236}">
-                <a16:creationId xmlns:a16="http://schemas.microsoft.com/office/drawing/2014/main" id="{61148E43-3D50-A3C4-EC77-B9AEB4539AFA}"/>
+                <a16:creationId xmlns:a16="http://schemas.microsoft.com/office/drawing/2014/main" id="{3F5DAB85-C6C8-F226-29EE-29E60AD7D4F7}"/>
               </a:ext>
             </a:extLst>
           </p:cNvPr>
@@ -2902,7 +2902,7 @@
             </a:lvl1pPr>
           </a:lstStyle>
           <a:p>
-            <a:fld id="{83858C2A-2375-4552-9220-B9A720C085A8}" type="datetimeFigureOut">
+            <a:fld id="{0DAC5E0F-12EE-446B-A0C3-4505A06920C0}" type="datetimeFigureOut">
               <a:rPr lang="zh-CN" altLang="en-US" smtClean="0"/>
               <a:t>2024/3/10</a:t>
             </a:fld>
@@ -2915,7 +2915,7 @@
           <p:cNvPr id="5" name="页脚占位符 4">
             <a:extLst>
               <a:ext uri="{FF2B5EF4-FFF2-40B4-BE49-F238E27FC236}">
-                <a16:creationId xmlns:a16="http://schemas.microsoft.com/office/drawing/2014/main" id="{882DB67A-4E31-C156-5487-E29B288287C1}"/>
+                <a16:creationId xmlns:a16="http://schemas.microsoft.com/office/drawing/2014/main" id="{C58EC106-3D4C-9081-ED88-6EC58A4AB3EC}"/>
               </a:ext>
             </a:extLst>
           </p:cNvPr>
@@ -2958,7 +2958,7 @@
           <p:cNvPr id="6" name="灯片编号占位符 5">
             <a:extLst>
               <a:ext uri="{FF2B5EF4-FFF2-40B4-BE49-F238E27FC236}">
-                <a16:creationId xmlns:a16="http://schemas.microsoft.com/office/drawing/2014/main" id="{3153A9DF-A905-57DF-F7DB-9D3BEFB5ACDF}"/>
+                <a16:creationId xmlns:a16="http://schemas.microsoft.com/office/drawing/2014/main" id="{407116E0-22C4-FE0D-9207-BEB3916E6AA8}"/>
               </a:ext>
             </a:extLst>
           </p:cNvPr>
@@ -2992,7 +2992,7 @@
             </a:lvl1pPr>
           </a:lstStyle>
           <a:p>
-            <a:fld id="{872BF664-5CA2-44B9-A082-9917F68F0029}" type="slidenum">
+            <a:fld id="{561C2799-9A38-47BA-B221-F90C0E5BEF6B}" type="slidenum">
               <a:rPr lang="zh-CN" altLang="en-US" smtClean="0"/>
               <a:t>‹#›</a:t>
             </a:fld>
@@ -3003,7 +3003,7 @@
     </p:spTree>
     <p:extLst>
       <p:ext uri="{BB962C8B-B14F-4D97-AF65-F5344CB8AC3E}">
-        <p14:creationId xmlns:p14="http://schemas.microsoft.com/office/powerpoint/2010/main" val="516373560"/>
+        <p14:creationId xmlns:p14="http://schemas.microsoft.com/office/powerpoint/2010/main" val="195253565"/>
       </p:ext>
     </p:extLst>
   </p:cSld>
